--- a/resource/幾何と線形代数.pptx
+++ b/resource/幾何と線形代数.pptx
@@ -3879,7 +3879,13 @@
                         <a:rPr kumimoji="1" lang="en-US" altLang="ja-JP" sz="2400" b="0" i="1" smtClean="0">
                           <a:latin typeface="Cambria Math" panose="02040503050406030204" pitchFamily="18" charset="0"/>
                         </a:rPr>
-                        <m:t>=5</m:t>
+                        <m:t>=</m:t>
+                      </m:r>
+                      <m:r>
+                        <a:rPr kumimoji="1" lang="en-US" altLang="ja-JP" sz="2400" b="0" i="1" smtClean="0">
+                          <a:latin typeface="Cambria Math" panose="02040503050406030204" pitchFamily="18" charset="0"/>
+                        </a:rPr>
+                        <m:t>5</m:t>
                       </m:r>
                       <m:d>
                         <m:dPr>
@@ -3921,7 +3927,13 @@
                         <a:rPr kumimoji="1" lang="en-US" altLang="ja-JP" sz="2400" b="0" i="1" smtClean="0">
                           <a:latin typeface="Cambria Math" panose="02040503050406030204" pitchFamily="18" charset="0"/>
                         </a:rPr>
-                        <m:t>+6</m:t>
+                        <m:t>+</m:t>
+                      </m:r>
+                      <m:r>
+                        <a:rPr kumimoji="1" lang="en-US" altLang="ja-JP" sz="2400" b="0" i="1" smtClean="0">
+                          <a:latin typeface="Cambria Math" panose="02040503050406030204" pitchFamily="18" charset="0"/>
+                        </a:rPr>
+                        <m:t>6</m:t>
                       </m:r>
                       <m:d>
                         <m:dPr>
